--- a/ppt 16-9/1010.天父看顾.pptx
+++ b/ppt 16-9/1010.天父看顾.pptx
@@ -129,7 +129,7 @@
           <p:cNvPr id="2" name="标题 1">
             <a:extLst>
               <a:ext uri="{FF2B5EF4-FFF2-40B4-BE49-F238E27FC236}">
-                <a16:creationId xmlns:a16="http://schemas.microsoft.com/office/drawing/2014/main" id="{040F2423-ACED-F308-B4F0-D7FD4B169C84}"/>
+                <a16:creationId xmlns:a16="http://schemas.microsoft.com/office/drawing/2014/main" id="{232D82D3-D126-6460-A52C-77D9994E9161}"/>
               </a:ext>
             </a:extLst>
           </p:cNvPr>
@@ -166,7 +166,7 @@
           <p:cNvPr id="3" name="副标题 2">
             <a:extLst>
               <a:ext uri="{FF2B5EF4-FFF2-40B4-BE49-F238E27FC236}">
-                <a16:creationId xmlns:a16="http://schemas.microsoft.com/office/drawing/2014/main" id="{0B274686-D5E0-C9A6-CFFC-CDBE9EAC727C}"/>
+                <a16:creationId xmlns:a16="http://schemas.microsoft.com/office/drawing/2014/main" id="{5D215BC4-B67B-B7DE-42EC-7A52626EB892}"/>
               </a:ext>
             </a:extLst>
           </p:cNvPr>
@@ -236,7 +236,7 @@
           <p:cNvPr id="4" name="日期占位符 3">
             <a:extLst>
               <a:ext uri="{FF2B5EF4-FFF2-40B4-BE49-F238E27FC236}">
-                <a16:creationId xmlns:a16="http://schemas.microsoft.com/office/drawing/2014/main" id="{50224930-6825-44F3-21C1-3B72E79B9DF9}"/>
+                <a16:creationId xmlns:a16="http://schemas.microsoft.com/office/drawing/2014/main" id="{218C9090-D935-A63C-0A1B-8C5C62CB08BB}"/>
               </a:ext>
             </a:extLst>
           </p:cNvPr>
@@ -252,7 +252,7 @@
           <a:bodyPr/>
           <a:lstStyle/>
           <a:p>
-            <a:fld id="{87B7800C-96E2-4BFF-B33E-4A1DFB459406}" type="datetimeFigureOut">
+            <a:fld id="{1C169D6A-15CF-491F-9503-CC08346A0D36}" type="datetimeFigureOut">
               <a:rPr lang="zh-CN" altLang="en-US" smtClean="0"/>
               <a:t>2024/3/10</a:t>
             </a:fld>
@@ -265,7 +265,7 @@
           <p:cNvPr id="5" name="页脚占位符 4">
             <a:extLst>
               <a:ext uri="{FF2B5EF4-FFF2-40B4-BE49-F238E27FC236}">
-                <a16:creationId xmlns:a16="http://schemas.microsoft.com/office/drawing/2014/main" id="{D7F82146-7EC2-960A-17B0-F7AB58E8113D}"/>
+                <a16:creationId xmlns:a16="http://schemas.microsoft.com/office/drawing/2014/main" id="{15B7F111-A482-D058-CE2A-6AA0F8904F1D}"/>
               </a:ext>
             </a:extLst>
           </p:cNvPr>
@@ -290,7 +290,7 @@
           <p:cNvPr id="6" name="灯片编号占位符 5">
             <a:extLst>
               <a:ext uri="{FF2B5EF4-FFF2-40B4-BE49-F238E27FC236}">
-                <a16:creationId xmlns:a16="http://schemas.microsoft.com/office/drawing/2014/main" id="{381EF653-1896-69C4-7E22-0BC3DD9F6B5D}"/>
+                <a16:creationId xmlns:a16="http://schemas.microsoft.com/office/drawing/2014/main" id="{81F8C0EF-E18A-828D-2D42-4DCB991C683E}"/>
               </a:ext>
             </a:extLst>
           </p:cNvPr>
@@ -306,7 +306,7 @@
           <a:bodyPr/>
           <a:lstStyle/>
           <a:p>
-            <a:fld id="{D1209B55-048D-4296-A28A-CD38B2AE3651}" type="slidenum">
+            <a:fld id="{ADF65EA5-3B85-4D42-974C-0E78A8635F1A}" type="slidenum">
               <a:rPr lang="zh-CN" altLang="en-US" smtClean="0"/>
               <a:t>‹#›</a:t>
             </a:fld>
@@ -317,7 +317,7 @@
     </p:spTree>
     <p:extLst>
       <p:ext uri="{BB962C8B-B14F-4D97-AF65-F5344CB8AC3E}">
-        <p14:creationId xmlns:p14="http://schemas.microsoft.com/office/powerpoint/2010/main" val="72755381"/>
+        <p14:creationId xmlns:p14="http://schemas.microsoft.com/office/powerpoint/2010/main" val="335890443"/>
       </p:ext>
     </p:extLst>
   </p:cSld>
@@ -349,7 +349,7 @@
           <p:cNvPr id="2" name="标题 1">
             <a:extLst>
               <a:ext uri="{FF2B5EF4-FFF2-40B4-BE49-F238E27FC236}">
-                <a16:creationId xmlns:a16="http://schemas.microsoft.com/office/drawing/2014/main" id="{C2041846-7EA4-424F-061F-4FDB7E42F5CE}"/>
+                <a16:creationId xmlns:a16="http://schemas.microsoft.com/office/drawing/2014/main" id="{B155CAC9-04EE-89A6-4C12-744648CA7AA8}"/>
               </a:ext>
             </a:extLst>
           </p:cNvPr>
@@ -377,7 +377,7 @@
           <p:cNvPr id="3" name="竖排文字占位符 2">
             <a:extLst>
               <a:ext uri="{FF2B5EF4-FFF2-40B4-BE49-F238E27FC236}">
-                <a16:creationId xmlns:a16="http://schemas.microsoft.com/office/drawing/2014/main" id="{5D254AA1-028A-4134-9DCF-6E0A9FC96142}"/>
+                <a16:creationId xmlns:a16="http://schemas.microsoft.com/office/drawing/2014/main" id="{D71941AE-2C80-6EF0-B6E2-6B6525AED28D}"/>
               </a:ext>
             </a:extLst>
           </p:cNvPr>
@@ -434,7 +434,7 @@
           <p:cNvPr id="4" name="日期占位符 3">
             <a:extLst>
               <a:ext uri="{FF2B5EF4-FFF2-40B4-BE49-F238E27FC236}">
-                <a16:creationId xmlns:a16="http://schemas.microsoft.com/office/drawing/2014/main" id="{13F31337-C41C-5CE9-7991-455D14DD4D4D}"/>
+                <a16:creationId xmlns:a16="http://schemas.microsoft.com/office/drawing/2014/main" id="{730E0232-AECF-C0DA-E18A-2DC05709CBF9}"/>
               </a:ext>
             </a:extLst>
           </p:cNvPr>
@@ -450,7 +450,7 @@
           <a:bodyPr/>
           <a:lstStyle/>
           <a:p>
-            <a:fld id="{87B7800C-96E2-4BFF-B33E-4A1DFB459406}" type="datetimeFigureOut">
+            <a:fld id="{1C169D6A-15CF-491F-9503-CC08346A0D36}" type="datetimeFigureOut">
               <a:rPr lang="zh-CN" altLang="en-US" smtClean="0"/>
               <a:t>2024/3/10</a:t>
             </a:fld>
@@ -463,7 +463,7 @@
           <p:cNvPr id="5" name="页脚占位符 4">
             <a:extLst>
               <a:ext uri="{FF2B5EF4-FFF2-40B4-BE49-F238E27FC236}">
-                <a16:creationId xmlns:a16="http://schemas.microsoft.com/office/drawing/2014/main" id="{B890A890-9DF1-27FD-C5F9-CE353ADD5FE0}"/>
+                <a16:creationId xmlns:a16="http://schemas.microsoft.com/office/drawing/2014/main" id="{582D72F5-2DB4-91D2-0E2C-0B0ED0F69725}"/>
               </a:ext>
             </a:extLst>
           </p:cNvPr>
@@ -488,7 +488,7 @@
           <p:cNvPr id="6" name="灯片编号占位符 5">
             <a:extLst>
               <a:ext uri="{FF2B5EF4-FFF2-40B4-BE49-F238E27FC236}">
-                <a16:creationId xmlns:a16="http://schemas.microsoft.com/office/drawing/2014/main" id="{113FEB1D-0D0E-F19D-949D-079624A2C613}"/>
+                <a16:creationId xmlns:a16="http://schemas.microsoft.com/office/drawing/2014/main" id="{EDB367BF-9372-7E44-DE81-ED3E12B54ED6}"/>
               </a:ext>
             </a:extLst>
           </p:cNvPr>
@@ -504,7 +504,7 @@
           <a:bodyPr/>
           <a:lstStyle/>
           <a:p>
-            <a:fld id="{D1209B55-048D-4296-A28A-CD38B2AE3651}" type="slidenum">
+            <a:fld id="{ADF65EA5-3B85-4D42-974C-0E78A8635F1A}" type="slidenum">
               <a:rPr lang="zh-CN" altLang="en-US" smtClean="0"/>
               <a:t>‹#›</a:t>
             </a:fld>
@@ -515,7 +515,7 @@
     </p:spTree>
     <p:extLst>
       <p:ext uri="{BB962C8B-B14F-4D97-AF65-F5344CB8AC3E}">
-        <p14:creationId xmlns:p14="http://schemas.microsoft.com/office/powerpoint/2010/main" val="2850061432"/>
+        <p14:creationId xmlns:p14="http://schemas.microsoft.com/office/powerpoint/2010/main" val="2015720140"/>
       </p:ext>
     </p:extLst>
   </p:cSld>
@@ -547,7 +547,7 @@
           <p:cNvPr id="2" name="竖排标题 1">
             <a:extLst>
               <a:ext uri="{FF2B5EF4-FFF2-40B4-BE49-F238E27FC236}">
-                <a16:creationId xmlns:a16="http://schemas.microsoft.com/office/drawing/2014/main" id="{C51EEA56-C1F5-73F2-E0F9-7D39EDBE49EF}"/>
+                <a16:creationId xmlns:a16="http://schemas.microsoft.com/office/drawing/2014/main" id="{427E6CC1-87C4-09AF-C1D2-C0981C658F6D}"/>
               </a:ext>
             </a:extLst>
           </p:cNvPr>
@@ -580,7 +580,7 @@
           <p:cNvPr id="3" name="竖排文字占位符 2">
             <a:extLst>
               <a:ext uri="{FF2B5EF4-FFF2-40B4-BE49-F238E27FC236}">
-                <a16:creationId xmlns:a16="http://schemas.microsoft.com/office/drawing/2014/main" id="{BFF4094B-8838-A2E2-0F72-1731BB41348A}"/>
+                <a16:creationId xmlns:a16="http://schemas.microsoft.com/office/drawing/2014/main" id="{C52D44C8-34F7-5B65-8DCC-57DA14ED86DE}"/>
               </a:ext>
             </a:extLst>
           </p:cNvPr>
@@ -642,7 +642,7 @@
           <p:cNvPr id="4" name="日期占位符 3">
             <a:extLst>
               <a:ext uri="{FF2B5EF4-FFF2-40B4-BE49-F238E27FC236}">
-                <a16:creationId xmlns:a16="http://schemas.microsoft.com/office/drawing/2014/main" id="{F96B8BBD-595C-16F6-6C59-719C80580223}"/>
+                <a16:creationId xmlns:a16="http://schemas.microsoft.com/office/drawing/2014/main" id="{6438CD80-0218-B32F-AA12-640AF4C7B408}"/>
               </a:ext>
             </a:extLst>
           </p:cNvPr>
@@ -658,7 +658,7 @@
           <a:bodyPr/>
           <a:lstStyle/>
           <a:p>
-            <a:fld id="{87B7800C-96E2-4BFF-B33E-4A1DFB459406}" type="datetimeFigureOut">
+            <a:fld id="{1C169D6A-15CF-491F-9503-CC08346A0D36}" type="datetimeFigureOut">
               <a:rPr lang="zh-CN" altLang="en-US" smtClean="0"/>
               <a:t>2024/3/10</a:t>
             </a:fld>
@@ -671,7 +671,7 @@
           <p:cNvPr id="5" name="页脚占位符 4">
             <a:extLst>
               <a:ext uri="{FF2B5EF4-FFF2-40B4-BE49-F238E27FC236}">
-                <a16:creationId xmlns:a16="http://schemas.microsoft.com/office/drawing/2014/main" id="{76592F23-4CBF-2004-38DA-84E538C18ED4}"/>
+                <a16:creationId xmlns:a16="http://schemas.microsoft.com/office/drawing/2014/main" id="{E0DCBB05-8CFC-D55A-F85E-C1493552E4E5}"/>
               </a:ext>
             </a:extLst>
           </p:cNvPr>
@@ -696,7 +696,7 @@
           <p:cNvPr id="6" name="灯片编号占位符 5">
             <a:extLst>
               <a:ext uri="{FF2B5EF4-FFF2-40B4-BE49-F238E27FC236}">
-                <a16:creationId xmlns:a16="http://schemas.microsoft.com/office/drawing/2014/main" id="{BD2B7968-7F8E-CBA5-5750-EF41914FD67F}"/>
+                <a16:creationId xmlns:a16="http://schemas.microsoft.com/office/drawing/2014/main" id="{773788C9-FCC1-6681-A0CE-0FFE94AB5DE3}"/>
               </a:ext>
             </a:extLst>
           </p:cNvPr>
@@ -712,7 +712,7 @@
           <a:bodyPr/>
           <a:lstStyle/>
           <a:p>
-            <a:fld id="{D1209B55-048D-4296-A28A-CD38B2AE3651}" type="slidenum">
+            <a:fld id="{ADF65EA5-3B85-4D42-974C-0E78A8635F1A}" type="slidenum">
               <a:rPr lang="zh-CN" altLang="en-US" smtClean="0"/>
               <a:t>‹#›</a:t>
             </a:fld>
@@ -723,7 +723,7 @@
     </p:spTree>
     <p:extLst>
       <p:ext uri="{BB962C8B-B14F-4D97-AF65-F5344CB8AC3E}">
-        <p14:creationId xmlns:p14="http://schemas.microsoft.com/office/powerpoint/2010/main" val="2966093423"/>
+        <p14:creationId xmlns:p14="http://schemas.microsoft.com/office/powerpoint/2010/main" val="1537200095"/>
       </p:ext>
     </p:extLst>
   </p:cSld>
@@ -755,7 +755,7 @@
           <p:cNvPr id="2" name="标题 1">
             <a:extLst>
               <a:ext uri="{FF2B5EF4-FFF2-40B4-BE49-F238E27FC236}">
-                <a16:creationId xmlns:a16="http://schemas.microsoft.com/office/drawing/2014/main" id="{1FC21036-4B63-CCE7-37C8-34EFEB33F871}"/>
+                <a16:creationId xmlns:a16="http://schemas.microsoft.com/office/drawing/2014/main" id="{CFD75F39-1605-A38B-BE27-9A7AF8E08E3B}"/>
               </a:ext>
             </a:extLst>
           </p:cNvPr>
@@ -783,7 +783,7 @@
           <p:cNvPr id="3" name="内容占位符 2">
             <a:extLst>
               <a:ext uri="{FF2B5EF4-FFF2-40B4-BE49-F238E27FC236}">
-                <a16:creationId xmlns:a16="http://schemas.microsoft.com/office/drawing/2014/main" id="{155B28A4-94E4-09FA-62F7-3B09A06F9E01}"/>
+                <a16:creationId xmlns:a16="http://schemas.microsoft.com/office/drawing/2014/main" id="{FB8F9F45-003B-0927-5D9D-F3F809F650F5}"/>
               </a:ext>
             </a:extLst>
           </p:cNvPr>
@@ -840,7 +840,7 @@
           <p:cNvPr id="4" name="日期占位符 3">
             <a:extLst>
               <a:ext uri="{FF2B5EF4-FFF2-40B4-BE49-F238E27FC236}">
-                <a16:creationId xmlns:a16="http://schemas.microsoft.com/office/drawing/2014/main" id="{F5254125-381A-5C8F-A179-7B13B54BE9AD}"/>
+                <a16:creationId xmlns:a16="http://schemas.microsoft.com/office/drawing/2014/main" id="{7C8662EC-09D0-103C-EE95-B41C06D3905E}"/>
               </a:ext>
             </a:extLst>
           </p:cNvPr>
@@ -856,7 +856,7 @@
           <a:bodyPr/>
           <a:lstStyle/>
           <a:p>
-            <a:fld id="{87B7800C-96E2-4BFF-B33E-4A1DFB459406}" type="datetimeFigureOut">
+            <a:fld id="{1C169D6A-15CF-491F-9503-CC08346A0D36}" type="datetimeFigureOut">
               <a:rPr lang="zh-CN" altLang="en-US" smtClean="0"/>
               <a:t>2024/3/10</a:t>
             </a:fld>
@@ -869,7 +869,7 @@
           <p:cNvPr id="5" name="页脚占位符 4">
             <a:extLst>
               <a:ext uri="{FF2B5EF4-FFF2-40B4-BE49-F238E27FC236}">
-                <a16:creationId xmlns:a16="http://schemas.microsoft.com/office/drawing/2014/main" id="{E27554CB-E17E-04A9-B57F-7C2C7235C0F1}"/>
+                <a16:creationId xmlns:a16="http://schemas.microsoft.com/office/drawing/2014/main" id="{D3DEE5CE-C08E-CEE8-04DB-12EA0CF6427A}"/>
               </a:ext>
             </a:extLst>
           </p:cNvPr>
@@ -894,7 +894,7 @@
           <p:cNvPr id="6" name="灯片编号占位符 5">
             <a:extLst>
               <a:ext uri="{FF2B5EF4-FFF2-40B4-BE49-F238E27FC236}">
-                <a16:creationId xmlns:a16="http://schemas.microsoft.com/office/drawing/2014/main" id="{B9A34A52-A2BE-6C05-F338-5E865D1B148C}"/>
+                <a16:creationId xmlns:a16="http://schemas.microsoft.com/office/drawing/2014/main" id="{27A21284-3E71-DD58-5541-798AA9FB1053}"/>
               </a:ext>
             </a:extLst>
           </p:cNvPr>
@@ -910,7 +910,7 @@
           <a:bodyPr/>
           <a:lstStyle/>
           <a:p>
-            <a:fld id="{D1209B55-048D-4296-A28A-CD38B2AE3651}" type="slidenum">
+            <a:fld id="{ADF65EA5-3B85-4D42-974C-0E78A8635F1A}" type="slidenum">
               <a:rPr lang="zh-CN" altLang="en-US" smtClean="0"/>
               <a:t>‹#›</a:t>
             </a:fld>
@@ -921,7 +921,7 @@
     </p:spTree>
     <p:extLst>
       <p:ext uri="{BB962C8B-B14F-4D97-AF65-F5344CB8AC3E}">
-        <p14:creationId xmlns:p14="http://schemas.microsoft.com/office/powerpoint/2010/main" val="3625594305"/>
+        <p14:creationId xmlns:p14="http://schemas.microsoft.com/office/powerpoint/2010/main" val="3089877439"/>
       </p:ext>
     </p:extLst>
   </p:cSld>
@@ -953,7 +953,7 @@
           <p:cNvPr id="2" name="标题 1">
             <a:extLst>
               <a:ext uri="{FF2B5EF4-FFF2-40B4-BE49-F238E27FC236}">
-                <a16:creationId xmlns:a16="http://schemas.microsoft.com/office/drawing/2014/main" id="{0D8D7DDD-75C9-6205-58D9-BF5E3D95864D}"/>
+                <a16:creationId xmlns:a16="http://schemas.microsoft.com/office/drawing/2014/main" id="{DB63F4D6-6E19-931B-6B9A-AA0F41140188}"/>
               </a:ext>
             </a:extLst>
           </p:cNvPr>
@@ -990,7 +990,7 @@
           <p:cNvPr id="3" name="文本占位符 2">
             <a:extLst>
               <a:ext uri="{FF2B5EF4-FFF2-40B4-BE49-F238E27FC236}">
-                <a16:creationId xmlns:a16="http://schemas.microsoft.com/office/drawing/2014/main" id="{FA2A98B6-3D19-6CDA-6F59-D32C58AC3766}"/>
+                <a16:creationId xmlns:a16="http://schemas.microsoft.com/office/drawing/2014/main" id="{368A4930-0E5E-2F6B-26EC-91C576D6B318}"/>
               </a:ext>
             </a:extLst>
           </p:cNvPr>
@@ -1115,7 +1115,7 @@
           <p:cNvPr id="4" name="日期占位符 3">
             <a:extLst>
               <a:ext uri="{FF2B5EF4-FFF2-40B4-BE49-F238E27FC236}">
-                <a16:creationId xmlns:a16="http://schemas.microsoft.com/office/drawing/2014/main" id="{C34B9061-5A07-9ED4-490F-23F0932D0E6F}"/>
+                <a16:creationId xmlns:a16="http://schemas.microsoft.com/office/drawing/2014/main" id="{D7CBF7B5-4EF7-68A0-26D5-8C4724356321}"/>
               </a:ext>
             </a:extLst>
           </p:cNvPr>
@@ -1131,7 +1131,7 @@
           <a:bodyPr/>
           <a:lstStyle/>
           <a:p>
-            <a:fld id="{87B7800C-96E2-4BFF-B33E-4A1DFB459406}" type="datetimeFigureOut">
+            <a:fld id="{1C169D6A-15CF-491F-9503-CC08346A0D36}" type="datetimeFigureOut">
               <a:rPr lang="zh-CN" altLang="en-US" smtClean="0"/>
               <a:t>2024/3/10</a:t>
             </a:fld>
@@ -1144,7 +1144,7 @@
           <p:cNvPr id="5" name="页脚占位符 4">
             <a:extLst>
               <a:ext uri="{FF2B5EF4-FFF2-40B4-BE49-F238E27FC236}">
-                <a16:creationId xmlns:a16="http://schemas.microsoft.com/office/drawing/2014/main" id="{01718BEC-D2ED-BD9D-DEF7-60673259EE3C}"/>
+                <a16:creationId xmlns:a16="http://schemas.microsoft.com/office/drawing/2014/main" id="{1C22F402-548E-26C0-8EBF-75A5CFA546FA}"/>
               </a:ext>
             </a:extLst>
           </p:cNvPr>
@@ -1169,7 +1169,7 @@
           <p:cNvPr id="6" name="灯片编号占位符 5">
             <a:extLst>
               <a:ext uri="{FF2B5EF4-FFF2-40B4-BE49-F238E27FC236}">
-                <a16:creationId xmlns:a16="http://schemas.microsoft.com/office/drawing/2014/main" id="{DE219A38-F48B-03D8-A8C0-E2053B43D701}"/>
+                <a16:creationId xmlns:a16="http://schemas.microsoft.com/office/drawing/2014/main" id="{54257E79-34D3-881E-501B-3D8DAFC24CF9}"/>
               </a:ext>
             </a:extLst>
           </p:cNvPr>
@@ -1185,7 +1185,7 @@
           <a:bodyPr/>
           <a:lstStyle/>
           <a:p>
-            <a:fld id="{D1209B55-048D-4296-A28A-CD38B2AE3651}" type="slidenum">
+            <a:fld id="{ADF65EA5-3B85-4D42-974C-0E78A8635F1A}" type="slidenum">
               <a:rPr lang="zh-CN" altLang="en-US" smtClean="0"/>
               <a:t>‹#›</a:t>
             </a:fld>
@@ -1196,7 +1196,7 @@
     </p:spTree>
     <p:extLst>
       <p:ext uri="{BB962C8B-B14F-4D97-AF65-F5344CB8AC3E}">
-        <p14:creationId xmlns:p14="http://schemas.microsoft.com/office/powerpoint/2010/main" val="3319160918"/>
+        <p14:creationId xmlns:p14="http://schemas.microsoft.com/office/powerpoint/2010/main" val="1019629228"/>
       </p:ext>
     </p:extLst>
   </p:cSld>
@@ -1228,7 +1228,7 @@
           <p:cNvPr id="2" name="标题 1">
             <a:extLst>
               <a:ext uri="{FF2B5EF4-FFF2-40B4-BE49-F238E27FC236}">
-                <a16:creationId xmlns:a16="http://schemas.microsoft.com/office/drawing/2014/main" id="{716B9176-8C10-F2B8-D0E4-6DCCB64D34B5}"/>
+                <a16:creationId xmlns:a16="http://schemas.microsoft.com/office/drawing/2014/main" id="{62997B0B-810C-22DF-3AE0-CFE1946FB978}"/>
               </a:ext>
             </a:extLst>
           </p:cNvPr>
@@ -1256,7 +1256,7 @@
           <p:cNvPr id="3" name="内容占位符 2">
             <a:extLst>
               <a:ext uri="{FF2B5EF4-FFF2-40B4-BE49-F238E27FC236}">
-                <a16:creationId xmlns:a16="http://schemas.microsoft.com/office/drawing/2014/main" id="{6148E774-760F-C7C2-BC17-F3AB33588B00}"/>
+                <a16:creationId xmlns:a16="http://schemas.microsoft.com/office/drawing/2014/main" id="{8F2B94EA-28E9-8DE9-259C-A1CB3F4D382B}"/>
               </a:ext>
             </a:extLst>
           </p:cNvPr>
@@ -1318,7 +1318,7 @@
           <p:cNvPr id="4" name="内容占位符 3">
             <a:extLst>
               <a:ext uri="{FF2B5EF4-FFF2-40B4-BE49-F238E27FC236}">
-                <a16:creationId xmlns:a16="http://schemas.microsoft.com/office/drawing/2014/main" id="{597B6F6C-8098-D38A-4DEC-1925569EFC69}"/>
+                <a16:creationId xmlns:a16="http://schemas.microsoft.com/office/drawing/2014/main" id="{C49B793C-1B68-E248-F712-63DAACE976DE}"/>
               </a:ext>
             </a:extLst>
           </p:cNvPr>
@@ -1380,7 +1380,7 @@
           <p:cNvPr id="5" name="日期占位符 4">
             <a:extLst>
               <a:ext uri="{FF2B5EF4-FFF2-40B4-BE49-F238E27FC236}">
-                <a16:creationId xmlns:a16="http://schemas.microsoft.com/office/drawing/2014/main" id="{DBE93B83-ACEC-889D-8B3C-916E91EF207B}"/>
+                <a16:creationId xmlns:a16="http://schemas.microsoft.com/office/drawing/2014/main" id="{EEAA1F3C-C384-B7F7-0317-1395A6D4107D}"/>
               </a:ext>
             </a:extLst>
           </p:cNvPr>
@@ -1396,7 +1396,7 @@
           <a:bodyPr/>
           <a:lstStyle/>
           <a:p>
-            <a:fld id="{87B7800C-96E2-4BFF-B33E-4A1DFB459406}" type="datetimeFigureOut">
+            <a:fld id="{1C169D6A-15CF-491F-9503-CC08346A0D36}" type="datetimeFigureOut">
               <a:rPr lang="zh-CN" altLang="en-US" smtClean="0"/>
               <a:t>2024/3/10</a:t>
             </a:fld>
@@ -1409,7 +1409,7 @@
           <p:cNvPr id="6" name="页脚占位符 5">
             <a:extLst>
               <a:ext uri="{FF2B5EF4-FFF2-40B4-BE49-F238E27FC236}">
-                <a16:creationId xmlns:a16="http://schemas.microsoft.com/office/drawing/2014/main" id="{2786E598-8A1A-8B1E-FBDF-B8F411AA58EE}"/>
+                <a16:creationId xmlns:a16="http://schemas.microsoft.com/office/drawing/2014/main" id="{EC4B8D31-C573-A4E1-7720-C3F2FE2B299A}"/>
               </a:ext>
             </a:extLst>
           </p:cNvPr>
@@ -1434,7 +1434,7 @@
           <p:cNvPr id="7" name="灯片编号占位符 6">
             <a:extLst>
               <a:ext uri="{FF2B5EF4-FFF2-40B4-BE49-F238E27FC236}">
-                <a16:creationId xmlns:a16="http://schemas.microsoft.com/office/drawing/2014/main" id="{586CC049-14BC-66D4-6B73-80539A39EB96}"/>
+                <a16:creationId xmlns:a16="http://schemas.microsoft.com/office/drawing/2014/main" id="{A90A0FF0-1459-3039-BB2D-EE05413A7747}"/>
               </a:ext>
             </a:extLst>
           </p:cNvPr>
@@ -1450,7 +1450,7 @@
           <a:bodyPr/>
           <a:lstStyle/>
           <a:p>
-            <a:fld id="{D1209B55-048D-4296-A28A-CD38B2AE3651}" type="slidenum">
+            <a:fld id="{ADF65EA5-3B85-4D42-974C-0E78A8635F1A}" type="slidenum">
               <a:rPr lang="zh-CN" altLang="en-US" smtClean="0"/>
               <a:t>‹#›</a:t>
             </a:fld>
@@ -1461,7 +1461,7 @@
     </p:spTree>
     <p:extLst>
       <p:ext uri="{BB962C8B-B14F-4D97-AF65-F5344CB8AC3E}">
-        <p14:creationId xmlns:p14="http://schemas.microsoft.com/office/powerpoint/2010/main" val="1391257231"/>
+        <p14:creationId xmlns:p14="http://schemas.microsoft.com/office/powerpoint/2010/main" val="504301571"/>
       </p:ext>
     </p:extLst>
   </p:cSld>
@@ -1493,7 +1493,7 @@
           <p:cNvPr id="2" name="标题 1">
             <a:extLst>
               <a:ext uri="{FF2B5EF4-FFF2-40B4-BE49-F238E27FC236}">
-                <a16:creationId xmlns:a16="http://schemas.microsoft.com/office/drawing/2014/main" id="{5B4C93E7-CC4F-46FD-1AD7-5C56509A961B}"/>
+                <a16:creationId xmlns:a16="http://schemas.microsoft.com/office/drawing/2014/main" id="{FD0151AB-94E3-785F-0F7D-98422C85DDF3}"/>
               </a:ext>
             </a:extLst>
           </p:cNvPr>
@@ -1526,7 +1526,7 @@
           <p:cNvPr id="3" name="文本占位符 2">
             <a:extLst>
               <a:ext uri="{FF2B5EF4-FFF2-40B4-BE49-F238E27FC236}">
-                <a16:creationId xmlns:a16="http://schemas.microsoft.com/office/drawing/2014/main" id="{5DCD7C6C-899E-9A38-5DCC-4A6D73579EB7}"/>
+                <a16:creationId xmlns:a16="http://schemas.microsoft.com/office/drawing/2014/main" id="{D6C3EF84-79CA-99EA-49FC-AEA3E8D40A78}"/>
               </a:ext>
             </a:extLst>
           </p:cNvPr>
@@ -1597,7 +1597,7 @@
           <p:cNvPr id="4" name="内容占位符 3">
             <a:extLst>
               <a:ext uri="{FF2B5EF4-FFF2-40B4-BE49-F238E27FC236}">
-                <a16:creationId xmlns:a16="http://schemas.microsoft.com/office/drawing/2014/main" id="{3F8F9F0D-DC3F-C012-92EE-2FBF2DDD9221}"/>
+                <a16:creationId xmlns:a16="http://schemas.microsoft.com/office/drawing/2014/main" id="{9806D6B5-DF08-5D08-7769-8F22E5EA8CC6}"/>
               </a:ext>
             </a:extLst>
           </p:cNvPr>
@@ -1659,7 +1659,7 @@
           <p:cNvPr id="5" name="文本占位符 4">
             <a:extLst>
               <a:ext uri="{FF2B5EF4-FFF2-40B4-BE49-F238E27FC236}">
-                <a16:creationId xmlns:a16="http://schemas.microsoft.com/office/drawing/2014/main" id="{C84BF939-3C99-FA81-BF0A-C5AEF327020B}"/>
+                <a16:creationId xmlns:a16="http://schemas.microsoft.com/office/drawing/2014/main" id="{A327F649-DAEE-A33B-23D1-301DC5D4272B}"/>
               </a:ext>
             </a:extLst>
           </p:cNvPr>
@@ -1730,7 +1730,7 @@
           <p:cNvPr id="6" name="内容占位符 5">
             <a:extLst>
               <a:ext uri="{FF2B5EF4-FFF2-40B4-BE49-F238E27FC236}">
-                <a16:creationId xmlns:a16="http://schemas.microsoft.com/office/drawing/2014/main" id="{52980E94-0B57-94DB-6421-58548767075A}"/>
+                <a16:creationId xmlns:a16="http://schemas.microsoft.com/office/drawing/2014/main" id="{D342FA6F-7C11-6D53-9F42-82D2EFCD4F92}"/>
               </a:ext>
             </a:extLst>
           </p:cNvPr>
@@ -1792,7 +1792,7 @@
           <p:cNvPr id="7" name="日期占位符 6">
             <a:extLst>
               <a:ext uri="{FF2B5EF4-FFF2-40B4-BE49-F238E27FC236}">
-                <a16:creationId xmlns:a16="http://schemas.microsoft.com/office/drawing/2014/main" id="{6B901404-D1A9-E579-6D10-FCA154E2CE9E}"/>
+                <a16:creationId xmlns:a16="http://schemas.microsoft.com/office/drawing/2014/main" id="{FD5B332D-3C84-7A45-C48B-0AA48F972502}"/>
               </a:ext>
             </a:extLst>
           </p:cNvPr>
@@ -1808,7 +1808,7 @@
           <a:bodyPr/>
           <a:lstStyle/>
           <a:p>
-            <a:fld id="{87B7800C-96E2-4BFF-B33E-4A1DFB459406}" type="datetimeFigureOut">
+            <a:fld id="{1C169D6A-15CF-491F-9503-CC08346A0D36}" type="datetimeFigureOut">
               <a:rPr lang="zh-CN" altLang="en-US" smtClean="0"/>
               <a:t>2024/3/10</a:t>
             </a:fld>
@@ -1821,7 +1821,7 @@
           <p:cNvPr id="8" name="页脚占位符 7">
             <a:extLst>
               <a:ext uri="{FF2B5EF4-FFF2-40B4-BE49-F238E27FC236}">
-                <a16:creationId xmlns:a16="http://schemas.microsoft.com/office/drawing/2014/main" id="{6E4525AC-34EE-2826-5239-FEF2FDD8D120}"/>
+                <a16:creationId xmlns:a16="http://schemas.microsoft.com/office/drawing/2014/main" id="{6B5D94BE-7F50-B6E0-33FD-3CD556A6E20E}"/>
               </a:ext>
             </a:extLst>
           </p:cNvPr>
@@ -1846,7 +1846,7 @@
           <p:cNvPr id="9" name="灯片编号占位符 8">
             <a:extLst>
               <a:ext uri="{FF2B5EF4-FFF2-40B4-BE49-F238E27FC236}">
-                <a16:creationId xmlns:a16="http://schemas.microsoft.com/office/drawing/2014/main" id="{0BE46050-0A6A-9DCD-EEBE-444C5205EA99}"/>
+                <a16:creationId xmlns:a16="http://schemas.microsoft.com/office/drawing/2014/main" id="{924E593A-AAB6-2EC5-C08F-E24F6422A21E}"/>
               </a:ext>
             </a:extLst>
           </p:cNvPr>
@@ -1862,7 +1862,7 @@
           <a:bodyPr/>
           <a:lstStyle/>
           <a:p>
-            <a:fld id="{D1209B55-048D-4296-A28A-CD38B2AE3651}" type="slidenum">
+            <a:fld id="{ADF65EA5-3B85-4D42-974C-0E78A8635F1A}" type="slidenum">
               <a:rPr lang="zh-CN" altLang="en-US" smtClean="0"/>
               <a:t>‹#›</a:t>
             </a:fld>
@@ -1873,7 +1873,7 @@
     </p:spTree>
     <p:extLst>
       <p:ext uri="{BB962C8B-B14F-4D97-AF65-F5344CB8AC3E}">
-        <p14:creationId xmlns:p14="http://schemas.microsoft.com/office/powerpoint/2010/main" val="4222832742"/>
+        <p14:creationId xmlns:p14="http://schemas.microsoft.com/office/powerpoint/2010/main" val="1859556893"/>
       </p:ext>
     </p:extLst>
   </p:cSld>
@@ -1905,7 +1905,7 @@
           <p:cNvPr id="2" name="标题 1">
             <a:extLst>
               <a:ext uri="{FF2B5EF4-FFF2-40B4-BE49-F238E27FC236}">
-                <a16:creationId xmlns:a16="http://schemas.microsoft.com/office/drawing/2014/main" id="{065C95F3-F889-8308-D0A0-D0C0A41C61A3}"/>
+                <a16:creationId xmlns:a16="http://schemas.microsoft.com/office/drawing/2014/main" id="{9C4CBAC8-78EA-26A8-208D-2CAFE462397A}"/>
               </a:ext>
             </a:extLst>
           </p:cNvPr>
@@ -1933,7 +1933,7 @@
           <p:cNvPr id="3" name="日期占位符 2">
             <a:extLst>
               <a:ext uri="{FF2B5EF4-FFF2-40B4-BE49-F238E27FC236}">
-                <a16:creationId xmlns:a16="http://schemas.microsoft.com/office/drawing/2014/main" id="{1560AC7A-DC32-014C-6743-0BEDB68F22F6}"/>
+                <a16:creationId xmlns:a16="http://schemas.microsoft.com/office/drawing/2014/main" id="{AA7F7B10-D809-E6A0-DA11-E63B6448D9E5}"/>
               </a:ext>
             </a:extLst>
           </p:cNvPr>
@@ -1949,7 +1949,7 @@
           <a:bodyPr/>
           <a:lstStyle/>
           <a:p>
-            <a:fld id="{87B7800C-96E2-4BFF-B33E-4A1DFB459406}" type="datetimeFigureOut">
+            <a:fld id="{1C169D6A-15CF-491F-9503-CC08346A0D36}" type="datetimeFigureOut">
               <a:rPr lang="zh-CN" altLang="en-US" smtClean="0"/>
               <a:t>2024/3/10</a:t>
             </a:fld>
@@ -1962,7 +1962,7 @@
           <p:cNvPr id="4" name="页脚占位符 3">
             <a:extLst>
               <a:ext uri="{FF2B5EF4-FFF2-40B4-BE49-F238E27FC236}">
-                <a16:creationId xmlns:a16="http://schemas.microsoft.com/office/drawing/2014/main" id="{C0C9642A-29D2-0895-0B14-1FAA86C7B1D7}"/>
+                <a16:creationId xmlns:a16="http://schemas.microsoft.com/office/drawing/2014/main" id="{D6E747E6-0811-3EE4-6CA0-11D3D6364F53}"/>
               </a:ext>
             </a:extLst>
           </p:cNvPr>
@@ -1987,7 +1987,7 @@
           <p:cNvPr id="5" name="灯片编号占位符 4">
             <a:extLst>
               <a:ext uri="{FF2B5EF4-FFF2-40B4-BE49-F238E27FC236}">
-                <a16:creationId xmlns:a16="http://schemas.microsoft.com/office/drawing/2014/main" id="{8D664DD8-8600-412D-92EB-8634911B2DA7}"/>
+                <a16:creationId xmlns:a16="http://schemas.microsoft.com/office/drawing/2014/main" id="{C83BCCC7-1D16-B22C-8300-6A847D2CBD12}"/>
               </a:ext>
             </a:extLst>
           </p:cNvPr>
@@ -2003,7 +2003,7 @@
           <a:bodyPr/>
           <a:lstStyle/>
           <a:p>
-            <a:fld id="{D1209B55-048D-4296-A28A-CD38B2AE3651}" type="slidenum">
+            <a:fld id="{ADF65EA5-3B85-4D42-974C-0E78A8635F1A}" type="slidenum">
               <a:rPr lang="zh-CN" altLang="en-US" smtClean="0"/>
               <a:t>‹#›</a:t>
             </a:fld>
@@ -2014,7 +2014,7 @@
     </p:spTree>
     <p:extLst>
       <p:ext uri="{BB962C8B-B14F-4D97-AF65-F5344CB8AC3E}">
-        <p14:creationId xmlns:p14="http://schemas.microsoft.com/office/powerpoint/2010/main" val="3505960395"/>
+        <p14:creationId xmlns:p14="http://schemas.microsoft.com/office/powerpoint/2010/main" val="606101698"/>
       </p:ext>
     </p:extLst>
   </p:cSld>
@@ -2046,7 +2046,7 @@
           <p:cNvPr id="2" name="日期占位符 1">
             <a:extLst>
               <a:ext uri="{FF2B5EF4-FFF2-40B4-BE49-F238E27FC236}">
-                <a16:creationId xmlns:a16="http://schemas.microsoft.com/office/drawing/2014/main" id="{BBF91FD3-1B83-9AA0-8153-40878D50C161}"/>
+                <a16:creationId xmlns:a16="http://schemas.microsoft.com/office/drawing/2014/main" id="{7A1E9C81-036B-992F-010B-75C4733CD67B}"/>
               </a:ext>
             </a:extLst>
           </p:cNvPr>
@@ -2062,7 +2062,7 @@
           <a:bodyPr/>
           <a:lstStyle/>
           <a:p>
-            <a:fld id="{87B7800C-96E2-4BFF-B33E-4A1DFB459406}" type="datetimeFigureOut">
+            <a:fld id="{1C169D6A-15CF-491F-9503-CC08346A0D36}" type="datetimeFigureOut">
               <a:rPr lang="zh-CN" altLang="en-US" smtClean="0"/>
               <a:t>2024/3/10</a:t>
             </a:fld>
@@ -2075,7 +2075,7 @@
           <p:cNvPr id="3" name="页脚占位符 2">
             <a:extLst>
               <a:ext uri="{FF2B5EF4-FFF2-40B4-BE49-F238E27FC236}">
-                <a16:creationId xmlns:a16="http://schemas.microsoft.com/office/drawing/2014/main" id="{84B1C670-295C-91B6-E39A-2D550A22016D}"/>
+                <a16:creationId xmlns:a16="http://schemas.microsoft.com/office/drawing/2014/main" id="{23E5E15C-242D-1892-2A96-CC982603D6F3}"/>
               </a:ext>
             </a:extLst>
           </p:cNvPr>
@@ -2100,7 +2100,7 @@
           <p:cNvPr id="4" name="灯片编号占位符 3">
             <a:extLst>
               <a:ext uri="{FF2B5EF4-FFF2-40B4-BE49-F238E27FC236}">
-                <a16:creationId xmlns:a16="http://schemas.microsoft.com/office/drawing/2014/main" id="{A7D53663-E21D-7C64-94D9-08804720F59F}"/>
+                <a16:creationId xmlns:a16="http://schemas.microsoft.com/office/drawing/2014/main" id="{39CAABCC-26CF-2E28-379F-8B93DB53E2A3}"/>
               </a:ext>
             </a:extLst>
           </p:cNvPr>
@@ -2116,7 +2116,7 @@
           <a:bodyPr/>
           <a:lstStyle/>
           <a:p>
-            <a:fld id="{D1209B55-048D-4296-A28A-CD38B2AE3651}" type="slidenum">
+            <a:fld id="{ADF65EA5-3B85-4D42-974C-0E78A8635F1A}" type="slidenum">
               <a:rPr lang="zh-CN" altLang="en-US" smtClean="0"/>
               <a:t>‹#›</a:t>
             </a:fld>
@@ -2127,7 +2127,7 @@
     </p:spTree>
     <p:extLst>
       <p:ext uri="{BB962C8B-B14F-4D97-AF65-F5344CB8AC3E}">
-        <p14:creationId xmlns:p14="http://schemas.microsoft.com/office/powerpoint/2010/main" val="1811124490"/>
+        <p14:creationId xmlns:p14="http://schemas.microsoft.com/office/powerpoint/2010/main" val="955336785"/>
       </p:ext>
     </p:extLst>
   </p:cSld>
@@ -2159,7 +2159,7 @@
           <p:cNvPr id="2" name="标题 1">
             <a:extLst>
               <a:ext uri="{FF2B5EF4-FFF2-40B4-BE49-F238E27FC236}">
-                <a16:creationId xmlns:a16="http://schemas.microsoft.com/office/drawing/2014/main" id="{0E0B0B18-0171-DBFA-E50A-B0117A66D848}"/>
+                <a16:creationId xmlns:a16="http://schemas.microsoft.com/office/drawing/2014/main" id="{C8438DF8-219E-6936-6F9B-FCECBEAAF44C}"/>
               </a:ext>
             </a:extLst>
           </p:cNvPr>
@@ -2196,7 +2196,7 @@
           <p:cNvPr id="3" name="内容占位符 2">
             <a:extLst>
               <a:ext uri="{FF2B5EF4-FFF2-40B4-BE49-F238E27FC236}">
-                <a16:creationId xmlns:a16="http://schemas.microsoft.com/office/drawing/2014/main" id="{A1D890C5-4A66-96A4-29DD-E6755D10A406}"/>
+                <a16:creationId xmlns:a16="http://schemas.microsoft.com/office/drawing/2014/main" id="{2AAAB732-136A-276C-348A-D9CFBCFE56C2}"/>
               </a:ext>
             </a:extLst>
           </p:cNvPr>
@@ -2286,7 +2286,7 @@
           <p:cNvPr id="4" name="文本占位符 3">
             <a:extLst>
               <a:ext uri="{FF2B5EF4-FFF2-40B4-BE49-F238E27FC236}">
-                <a16:creationId xmlns:a16="http://schemas.microsoft.com/office/drawing/2014/main" id="{E68CF74C-2290-D65D-F629-85FCB91FFE6B}"/>
+                <a16:creationId xmlns:a16="http://schemas.microsoft.com/office/drawing/2014/main" id="{636FB94D-4293-21C4-34D6-38BB6EA0126C}"/>
               </a:ext>
             </a:extLst>
           </p:cNvPr>
@@ -2357,7 +2357,7 @@
           <p:cNvPr id="5" name="日期占位符 4">
             <a:extLst>
               <a:ext uri="{FF2B5EF4-FFF2-40B4-BE49-F238E27FC236}">
-                <a16:creationId xmlns:a16="http://schemas.microsoft.com/office/drawing/2014/main" id="{702B3144-3455-7FBE-3DA6-6F7E35F14B01}"/>
+                <a16:creationId xmlns:a16="http://schemas.microsoft.com/office/drawing/2014/main" id="{AB897FA6-DE10-51A8-F825-F03FB457A273}"/>
               </a:ext>
             </a:extLst>
           </p:cNvPr>
@@ -2373,7 +2373,7 @@
           <a:bodyPr/>
           <a:lstStyle/>
           <a:p>
-            <a:fld id="{87B7800C-96E2-4BFF-B33E-4A1DFB459406}" type="datetimeFigureOut">
+            <a:fld id="{1C169D6A-15CF-491F-9503-CC08346A0D36}" type="datetimeFigureOut">
               <a:rPr lang="zh-CN" altLang="en-US" smtClean="0"/>
               <a:t>2024/3/10</a:t>
             </a:fld>
@@ -2386,7 +2386,7 @@
           <p:cNvPr id="6" name="页脚占位符 5">
             <a:extLst>
               <a:ext uri="{FF2B5EF4-FFF2-40B4-BE49-F238E27FC236}">
-                <a16:creationId xmlns:a16="http://schemas.microsoft.com/office/drawing/2014/main" id="{05571583-BA40-F7E4-A4E0-F0385254951B}"/>
+                <a16:creationId xmlns:a16="http://schemas.microsoft.com/office/drawing/2014/main" id="{E7F9A1E9-1019-6CF8-827A-21D26AC92273}"/>
               </a:ext>
             </a:extLst>
           </p:cNvPr>
@@ -2411,7 +2411,7 @@
           <p:cNvPr id="7" name="灯片编号占位符 6">
             <a:extLst>
               <a:ext uri="{FF2B5EF4-FFF2-40B4-BE49-F238E27FC236}">
-                <a16:creationId xmlns:a16="http://schemas.microsoft.com/office/drawing/2014/main" id="{56D536D2-EC11-DC99-70AC-8A0A02E23CE4}"/>
+                <a16:creationId xmlns:a16="http://schemas.microsoft.com/office/drawing/2014/main" id="{C21DA595-529E-6813-A886-043836A95A99}"/>
               </a:ext>
             </a:extLst>
           </p:cNvPr>
@@ -2427,7 +2427,7 @@
           <a:bodyPr/>
           <a:lstStyle/>
           <a:p>
-            <a:fld id="{D1209B55-048D-4296-A28A-CD38B2AE3651}" type="slidenum">
+            <a:fld id="{ADF65EA5-3B85-4D42-974C-0E78A8635F1A}" type="slidenum">
               <a:rPr lang="zh-CN" altLang="en-US" smtClean="0"/>
               <a:t>‹#›</a:t>
             </a:fld>
@@ -2438,7 +2438,7 @@
     </p:spTree>
     <p:extLst>
       <p:ext uri="{BB962C8B-B14F-4D97-AF65-F5344CB8AC3E}">
-        <p14:creationId xmlns:p14="http://schemas.microsoft.com/office/powerpoint/2010/main" val="2783361679"/>
+        <p14:creationId xmlns:p14="http://schemas.microsoft.com/office/powerpoint/2010/main" val="2582284241"/>
       </p:ext>
     </p:extLst>
   </p:cSld>
@@ -2470,7 +2470,7 @@
           <p:cNvPr id="2" name="标题 1">
             <a:extLst>
               <a:ext uri="{FF2B5EF4-FFF2-40B4-BE49-F238E27FC236}">
-                <a16:creationId xmlns:a16="http://schemas.microsoft.com/office/drawing/2014/main" id="{AAE99653-7537-E388-0445-F249F3B6CB6E}"/>
+                <a16:creationId xmlns:a16="http://schemas.microsoft.com/office/drawing/2014/main" id="{901D72D0-7119-1219-08D2-CC26010F00FE}"/>
               </a:ext>
             </a:extLst>
           </p:cNvPr>
@@ -2507,7 +2507,7 @@
           <p:cNvPr id="3" name="图片占位符 2">
             <a:extLst>
               <a:ext uri="{FF2B5EF4-FFF2-40B4-BE49-F238E27FC236}">
-                <a16:creationId xmlns:a16="http://schemas.microsoft.com/office/drawing/2014/main" id="{61F2376E-5470-7A88-E304-8E5D3B1491BC}"/>
+                <a16:creationId xmlns:a16="http://schemas.microsoft.com/office/drawing/2014/main" id="{B74AA8ED-BC2B-30F5-DF29-E2E8D915F81A}"/>
               </a:ext>
             </a:extLst>
           </p:cNvPr>
@@ -2574,7 +2574,7 @@
           <p:cNvPr id="4" name="文本占位符 3">
             <a:extLst>
               <a:ext uri="{FF2B5EF4-FFF2-40B4-BE49-F238E27FC236}">
-                <a16:creationId xmlns:a16="http://schemas.microsoft.com/office/drawing/2014/main" id="{3FC2A704-7402-655C-46A3-7F1940D65AB3}"/>
+                <a16:creationId xmlns:a16="http://schemas.microsoft.com/office/drawing/2014/main" id="{8B84F2F7-91FF-DBD4-7098-D6D021E59286}"/>
               </a:ext>
             </a:extLst>
           </p:cNvPr>
@@ -2645,7 +2645,7 @@
           <p:cNvPr id="5" name="日期占位符 4">
             <a:extLst>
               <a:ext uri="{FF2B5EF4-FFF2-40B4-BE49-F238E27FC236}">
-                <a16:creationId xmlns:a16="http://schemas.microsoft.com/office/drawing/2014/main" id="{457CC80F-623A-57D4-4BE0-65ABD17ADC29}"/>
+                <a16:creationId xmlns:a16="http://schemas.microsoft.com/office/drawing/2014/main" id="{36022109-8E5C-CD61-9396-E09080400BF6}"/>
               </a:ext>
             </a:extLst>
           </p:cNvPr>
@@ -2661,7 +2661,7 @@
           <a:bodyPr/>
           <a:lstStyle/>
           <a:p>
-            <a:fld id="{87B7800C-96E2-4BFF-B33E-4A1DFB459406}" type="datetimeFigureOut">
+            <a:fld id="{1C169D6A-15CF-491F-9503-CC08346A0D36}" type="datetimeFigureOut">
               <a:rPr lang="zh-CN" altLang="en-US" smtClean="0"/>
               <a:t>2024/3/10</a:t>
             </a:fld>
@@ -2674,7 +2674,7 @@
           <p:cNvPr id="6" name="页脚占位符 5">
             <a:extLst>
               <a:ext uri="{FF2B5EF4-FFF2-40B4-BE49-F238E27FC236}">
-                <a16:creationId xmlns:a16="http://schemas.microsoft.com/office/drawing/2014/main" id="{3D79BBED-7108-9E89-5E1F-95AB931DAED2}"/>
+                <a16:creationId xmlns:a16="http://schemas.microsoft.com/office/drawing/2014/main" id="{2F1A89C9-9DA9-2459-88E5-EDB9A0AA3B78}"/>
               </a:ext>
             </a:extLst>
           </p:cNvPr>
@@ -2699,7 +2699,7 @@
           <p:cNvPr id="7" name="灯片编号占位符 6">
             <a:extLst>
               <a:ext uri="{FF2B5EF4-FFF2-40B4-BE49-F238E27FC236}">
-                <a16:creationId xmlns:a16="http://schemas.microsoft.com/office/drawing/2014/main" id="{C7692030-7B01-1EC3-C366-DB72D45F697B}"/>
+                <a16:creationId xmlns:a16="http://schemas.microsoft.com/office/drawing/2014/main" id="{F9AFE974-6AA9-9AFA-B4E8-8B294099814A}"/>
               </a:ext>
             </a:extLst>
           </p:cNvPr>
@@ -2715,7 +2715,7 @@
           <a:bodyPr/>
           <a:lstStyle/>
           <a:p>
-            <a:fld id="{D1209B55-048D-4296-A28A-CD38B2AE3651}" type="slidenum">
+            <a:fld id="{ADF65EA5-3B85-4D42-974C-0E78A8635F1A}" type="slidenum">
               <a:rPr lang="zh-CN" altLang="en-US" smtClean="0"/>
               <a:t>‹#›</a:t>
             </a:fld>
@@ -2726,7 +2726,7 @@
     </p:spTree>
     <p:extLst>
       <p:ext uri="{BB962C8B-B14F-4D97-AF65-F5344CB8AC3E}">
-        <p14:creationId xmlns:p14="http://schemas.microsoft.com/office/powerpoint/2010/main" val="2056595403"/>
+        <p14:creationId xmlns:p14="http://schemas.microsoft.com/office/powerpoint/2010/main" val="1059764201"/>
       </p:ext>
     </p:extLst>
   </p:cSld>
@@ -2763,7 +2763,7 @@
           <p:cNvPr id="2" name="标题占位符 1">
             <a:extLst>
               <a:ext uri="{FF2B5EF4-FFF2-40B4-BE49-F238E27FC236}">
-                <a16:creationId xmlns:a16="http://schemas.microsoft.com/office/drawing/2014/main" id="{1951B878-3773-5B3E-376C-E1D2BE9536CF}"/>
+                <a16:creationId xmlns:a16="http://schemas.microsoft.com/office/drawing/2014/main" id="{99ABDE7F-CB4C-1515-54CF-401AB02FFCCD}"/>
               </a:ext>
             </a:extLst>
           </p:cNvPr>
@@ -2801,7 +2801,7 @@
           <p:cNvPr id="3" name="文本占位符 2">
             <a:extLst>
               <a:ext uri="{FF2B5EF4-FFF2-40B4-BE49-F238E27FC236}">
-                <a16:creationId xmlns:a16="http://schemas.microsoft.com/office/drawing/2014/main" id="{8C62903B-5DB7-BB5B-346D-73ECEA25DFAC}"/>
+                <a16:creationId xmlns:a16="http://schemas.microsoft.com/office/drawing/2014/main" id="{4349E7F4-341C-1F79-738B-A2F6AD698FE2}"/>
               </a:ext>
             </a:extLst>
           </p:cNvPr>
@@ -2868,7 +2868,7 @@
           <p:cNvPr id="4" name="日期占位符 3">
             <a:extLst>
               <a:ext uri="{FF2B5EF4-FFF2-40B4-BE49-F238E27FC236}">
-                <a16:creationId xmlns:a16="http://schemas.microsoft.com/office/drawing/2014/main" id="{73FD0D36-88AE-014D-A332-54B8861FECF7}"/>
+                <a16:creationId xmlns:a16="http://schemas.microsoft.com/office/drawing/2014/main" id="{E73FB231-E7FD-ED39-CE85-9AA7BED2AD76}"/>
               </a:ext>
             </a:extLst>
           </p:cNvPr>
@@ -2902,7 +2902,7 @@
             </a:lvl1pPr>
           </a:lstStyle>
           <a:p>
-            <a:fld id="{87B7800C-96E2-4BFF-B33E-4A1DFB459406}" type="datetimeFigureOut">
+            <a:fld id="{1C169D6A-15CF-491F-9503-CC08346A0D36}" type="datetimeFigureOut">
               <a:rPr lang="zh-CN" altLang="en-US" smtClean="0"/>
               <a:t>2024/3/10</a:t>
             </a:fld>
@@ -2915,7 +2915,7 @@
           <p:cNvPr id="5" name="页脚占位符 4">
             <a:extLst>
               <a:ext uri="{FF2B5EF4-FFF2-40B4-BE49-F238E27FC236}">
-                <a16:creationId xmlns:a16="http://schemas.microsoft.com/office/drawing/2014/main" id="{78B17876-A7C1-53F9-2B9E-2C92C0AA022D}"/>
+                <a16:creationId xmlns:a16="http://schemas.microsoft.com/office/drawing/2014/main" id="{687F1B47-7C7A-B84F-2CC3-09CCC1F0620D}"/>
               </a:ext>
             </a:extLst>
           </p:cNvPr>
@@ -2958,7 +2958,7 @@
           <p:cNvPr id="6" name="灯片编号占位符 5">
             <a:extLst>
               <a:ext uri="{FF2B5EF4-FFF2-40B4-BE49-F238E27FC236}">
-                <a16:creationId xmlns:a16="http://schemas.microsoft.com/office/drawing/2014/main" id="{DC377EFF-6AA5-6A2E-6891-06968AC68098}"/>
+                <a16:creationId xmlns:a16="http://schemas.microsoft.com/office/drawing/2014/main" id="{05CBDBEF-4257-6D83-766D-0D5363029472}"/>
               </a:ext>
             </a:extLst>
           </p:cNvPr>
@@ -2992,7 +2992,7 @@
             </a:lvl1pPr>
           </a:lstStyle>
           <a:p>
-            <a:fld id="{D1209B55-048D-4296-A28A-CD38B2AE3651}" type="slidenum">
+            <a:fld id="{ADF65EA5-3B85-4D42-974C-0E78A8635F1A}" type="slidenum">
               <a:rPr lang="zh-CN" altLang="en-US" smtClean="0"/>
               <a:t>‹#›</a:t>
             </a:fld>
@@ -3003,7 +3003,7 @@
     </p:spTree>
     <p:extLst>
       <p:ext uri="{BB962C8B-B14F-4D97-AF65-F5344CB8AC3E}">
-        <p14:creationId xmlns:p14="http://schemas.microsoft.com/office/powerpoint/2010/main" val="1653274730"/>
+        <p14:creationId xmlns:p14="http://schemas.microsoft.com/office/powerpoint/2010/main" val="3948908886"/>
       </p:ext>
     </p:extLst>
   </p:cSld>
